--- a/prevent/ErrorPronePatterns.pptx
+++ b/prevent/ErrorPronePatterns.pptx
@@ -343,7 +343,7 @@
               <a:pPr>
                 <a:defRPr/>
               </a:pPr>
-              <a:t>7/8/2019</a:t>
+              <a:t>9/17/2019</a:t>
             </a:fld>
             <a:endParaRPr lang="en-US" altLang="de-DE"/>
           </a:p>
@@ -2581,7 +2581,18 @@
           <a:p>
             <a:r>
               <a:rPr lang="de-DE" smtClean="0"/>
-              <a:t>Detecting Error Prone Patterns in C Source Code</a:t>
+              <a:t>Detecting Error Prone Patterns in C Source </a:t>
+            </a:r>
+            <a:r>
+              <a:rPr lang="de-DE" smtClean="0"/>
+              <a:t>Code</a:t>
+            </a:r>
+            <a:br>
+              <a:rPr lang="de-DE" smtClean="0"/>
+            </a:br>
+            <a:r>
+              <a:rPr lang="de-DE" smtClean="0"/>
+              <a:t>= Enforcing Restrictions on C Source Code</a:t>
             </a:r>
             <a:endParaRPr lang="en-US"/>
           </a:p>
@@ -2761,17 +2772,22 @@
           <a:p>
             <a:r>
               <a:rPr lang="de-DE" smtClean="0"/>
-              <a:t>Evaluation order?</a:t>
-            </a:r>
-          </a:p>
-          <a:p>
-            <a:r>
+              <a:t>Which value does y have after this line?</a:t>
+            </a:r>
+            <a:br>
               <a:rPr lang="de-DE" smtClean="0"/>
-              <a:t>Is evaluation order even defined?</a:t>
-            </a:r>
-          </a:p>
-          <a:p>
-            <a:endParaRPr lang="de-DE"/>
+            </a:br>
+            <a:r>
+              <a:rPr lang="de-DE" smtClean="0"/>
+              <a:t>(Although the evaluation order is defined by C standard, the programmer might easily make a mistake!)</a:t>
+            </a:r>
+            <a:endParaRPr lang="de-DE" smtClean="0"/>
+          </a:p>
+          <a:p>
+            <a:pPr marL="0" indent="0">
+              <a:buNone/>
+            </a:pPr>
+            <a:endParaRPr lang="de-DE" smtClean="0"/>
           </a:p>
           <a:p>
             <a:pPr marL="0" indent="0">
@@ -2979,14 +2995,7 @@
                 <a:latin typeface="Courier New" panose="02070309020205020404" pitchFamily="49" charset="0"/>
                 <a:cs typeface="Courier New" panose="02070309020205020404" pitchFamily="49" charset="0"/>
               </a:rPr>
-              <a:t>	</a:t>
-            </a:r>
-            <a:r>
-              <a:rPr lang="en-US">
-                <a:latin typeface="Courier New" panose="02070309020205020404" pitchFamily="49" charset="0"/>
-                <a:cs typeface="Courier New" panose="02070309020205020404" pitchFamily="49" charset="0"/>
-              </a:rPr>
-              <a:t>{ </a:t>
+              <a:t>	{ </a:t>
             </a:r>
             <a:r>
               <a:rPr lang="en-US" smtClean="0">
@@ -3000,14 +3009,7 @@
                 <a:latin typeface="Courier New" panose="02070309020205020404" pitchFamily="49" charset="0"/>
                 <a:cs typeface="Courier New" panose="02070309020205020404" pitchFamily="49" charset="0"/>
               </a:rPr>
-              <a:t>, 2</a:t>
-            </a:r>
-            <a:r>
-              <a:rPr lang="en-US">
-                <a:latin typeface="Courier New" panose="02070309020205020404" pitchFamily="49" charset="0"/>
-                <a:cs typeface="Courier New" panose="02070309020205020404" pitchFamily="49" charset="0"/>
-              </a:rPr>
-              <a:t>, </a:t>
+              <a:t>, 2, </a:t>
             </a:r>
             <a:r>
               <a:rPr lang="en-US" smtClean="0">
@@ -3033,14 +3035,7 @@
                 <a:latin typeface="Courier New" panose="02070309020205020404" pitchFamily="49" charset="0"/>
                 <a:cs typeface="Courier New" panose="02070309020205020404" pitchFamily="49" charset="0"/>
               </a:rPr>
-              <a:t>	{ 2</a:t>
-            </a:r>
-            <a:r>
-              <a:rPr lang="en-US">
-                <a:latin typeface="Courier New" panose="02070309020205020404" pitchFamily="49" charset="0"/>
-                <a:cs typeface="Courier New" panose="02070309020205020404" pitchFamily="49" charset="0"/>
-              </a:rPr>
-              <a:t>, </a:t>
+              <a:t>	{ 2, </a:t>
             </a:r>
             <a:r>
               <a:rPr lang="en-US" smtClean="0">
@@ -3063,14 +3058,7 @@
                 <a:latin typeface="Courier New" panose="02070309020205020404" pitchFamily="49" charset="0"/>
                 <a:cs typeface="Courier New" panose="02070309020205020404" pitchFamily="49" charset="0"/>
               </a:rPr>
-              <a:t>	</a:t>
-            </a:r>
-            <a:r>
-              <a:rPr lang="en-US">
-                <a:latin typeface="Courier New" panose="02070309020205020404" pitchFamily="49" charset="0"/>
-                <a:cs typeface="Courier New" panose="02070309020205020404" pitchFamily="49" charset="0"/>
-              </a:rPr>
-              <a:t>{ </a:t>
+              <a:t>	{ </a:t>
             </a:r>
             <a:r>
               <a:rPr lang="en-US" smtClean="0">
@@ -3089,14 +3077,7 @@
                 <a:latin typeface="Courier New" panose="02070309020205020404" pitchFamily="49" charset="0"/>
                 <a:cs typeface="Courier New" panose="02070309020205020404" pitchFamily="49" charset="0"/>
               </a:rPr>
-              <a:t>	</a:t>
-            </a:r>
-            <a:r>
-              <a:rPr lang="en-US">
-                <a:latin typeface="Courier New" panose="02070309020205020404" pitchFamily="49" charset="0"/>
-                <a:cs typeface="Courier New" panose="02070309020205020404" pitchFamily="49" charset="0"/>
-              </a:rPr>
-              <a:t>{ </a:t>
+              <a:t>	{ </a:t>
             </a:r>
             <a:r>
               <a:rPr lang="en-US" smtClean="0">
@@ -3110,14 +3091,7 @@
                 <a:latin typeface="Courier New" panose="02070309020205020404" pitchFamily="49" charset="0"/>
                 <a:cs typeface="Courier New" panose="02070309020205020404" pitchFamily="49" charset="0"/>
               </a:rPr>
-              <a:t>5</a:t>
-            </a:r>
-            <a:r>
-              <a:rPr lang="en-US">
-                <a:latin typeface="Courier New" panose="02070309020205020404" pitchFamily="49" charset="0"/>
-                <a:cs typeface="Courier New" panose="02070309020205020404" pitchFamily="49" charset="0"/>
-              </a:rPr>
-              <a:t>, </a:t>
+              <a:t>5, </a:t>
             </a:r>
             <a:r>
               <a:rPr lang="en-US" smtClean="0">
@@ -3157,14 +3131,7 @@
                 <a:latin typeface="Courier New" panose="02070309020205020404" pitchFamily="49" charset="0"/>
                 <a:cs typeface="Courier New" panose="02070309020205020404" pitchFamily="49" charset="0"/>
               </a:rPr>
-              <a:t>wrongArrInit </a:t>
-            </a:r>
-            <a:r>
-              <a:rPr lang="de-DE" sz="2000">
-                <a:latin typeface="Courier New" panose="02070309020205020404" pitchFamily="49" charset="0"/>
-                <a:cs typeface="Courier New" panose="02070309020205020404" pitchFamily="49" charset="0"/>
-              </a:rPr>
-              <a:t>= isA cDecl &gt;&gt;&gt; arrayDecl &gt;&gt;&gt; checkArrayDecl &gt;&gt;&gt; toString</a:t>
+              <a:t>wrongArrInit = isA cDecl &gt;&gt;&gt; arrayDecl &gt;&gt;&gt; checkArrayDecl &gt;&gt;&gt; toString</a:t>
             </a:r>
           </a:p>
           <a:p>
